--- a/eu/ProgrammingLessons/beginner/BasicLineFollower.pptx
+++ b/eu/ProgrammingLessons/beginner/BasicLineFollower.pptx
@@ -146,10 +146,6 @@
 </p:presentation>
 </file>
 
-<file path=ppt/revisionInfo.xml><?xml version="1.0" encoding="utf-8"?>
-<p1510:revInfo xmlns:a="http://schemas.openxmlformats.org/drawingml/2006/main" xmlns:r="http://schemas.openxmlformats.org/officeDocument/2006/relationships" xmlns:p1510="http://schemas.microsoft.com/office/powerpoint/2015/10/main"/>
-</file>
-
 <file path=ppt/handoutMasters/handoutMaster1.xml><?xml version="1.0" encoding="utf-8"?>
 <p:handoutMaster xmlns:a="http://schemas.openxmlformats.org/drawingml/2006/main" xmlns:r="http://schemas.openxmlformats.org/officeDocument/2006/relationships" xmlns:p="http://schemas.openxmlformats.org/presentationml/2006/main">
   <p:cSld>
@@ -232,7 +228,7 @@
           <a:p>
             <a:fld id="{F8D9B3D7-15CB-9343-AA49-EFB5A8F33F18}" type="datetimeFigureOut">
               <a:rPr lang="en-US" smtClean="0"/>
-              <a:t>6/28/2018</a:t>
+              <a:t>9/11/22</a:t>
             </a:fld>
             <a:endParaRPr lang="en-US"/>
           </a:p>
@@ -298,7 +294,7 @@
           <a:p>
             <a:fld id="{6ED9BD6B-3536-BC44-B54A-7079C6CEB9D9}" type="slidenum">
               <a:rPr lang="en-US" smtClean="0"/>
-              <a:t>‹Nº›</a:t>
+              <a:t>‹#›</a:t>
             </a:fld>
             <a:endParaRPr lang="en-US"/>
           </a:p>
@@ -398,7 +394,7 @@
           <a:p>
             <a:fld id="{FD3EFF1E-85A1-6640-AFB9-C38833E80A84}" type="datetimeFigureOut">
               <a:rPr lang="en-US" smtClean="0"/>
-              <a:t>6/28/2018</a:t>
+              <a:t>9/11/22</a:t>
             </a:fld>
             <a:endParaRPr lang="en-US"/>
           </a:p>
@@ -556,7 +552,7 @@
           <a:p>
             <a:fld id="{13967457-1E83-1040-AFF7-8D09C473DBD5}" type="slidenum">
               <a:rPr lang="en-US" smtClean="0"/>
-              <a:t>‹Nº›</a:t>
+              <a:t>‹#›</a:t>
             </a:fld>
             <a:endParaRPr lang="en-US"/>
           </a:p>
@@ -1514,7 +1510,7 @@
           <a:p>
             <a:fld id="{49D95C8E-A416-2343-8DF8-1A64CE4E886F}" type="datetime1">
               <a:rPr lang="en-US" smtClean="0"/>
-              <a:t>6/28/2018</a:t>
+              <a:t>9/11/22</a:t>
             </a:fld>
             <a:endParaRPr lang="en-US"/>
           </a:p>
@@ -1581,7 +1577,7 @@
           <a:p>
             <a:fld id="{4DBC7FC8-25FB-FC45-8177-2B991DA6778C}" type="slidenum">
               <a:rPr lang="en-US" smtClean="0"/>
-              <a:t>‹Nº›</a:t>
+              <a:t>‹#›</a:t>
             </a:fld>
             <a:endParaRPr lang="en-US"/>
           </a:p>
@@ -1733,7 +1729,7 @@
           <a:noFill/>
           <a:extLst>
             <a:ext uri="{909E8E84-426E-40dd-AFC4-6F175D3DCCD1}">
-              <a14:hiddenFill xmlns:a14="http://schemas.microsoft.com/office/drawing/2010/main" xmlns="">
+              <a14:hiddenFill xmlns="" xmlns:a14="http://schemas.microsoft.com/office/drawing/2010/main">
                 <a:solidFill>
                   <a:srgbClr val="FFFFFF"/>
                 </a:solidFill>
@@ -2040,7 +2036,7 @@
           <a:p>
             <a:fld id="{5712289E-8A72-E44D-B60B-DBC9408A9E52}" type="datetime1">
               <a:rPr lang="en-US" smtClean="0"/>
-              <a:t>6/28/2018</a:t>
+              <a:t>9/11/22</a:t>
             </a:fld>
             <a:endParaRPr lang="en-US"/>
           </a:p>
@@ -2094,7 +2090,7 @@
           <a:p>
             <a:fld id="{4DBC7FC8-25FB-FC45-8177-2B991DA6778C}" type="slidenum">
               <a:rPr lang="en-US" smtClean="0"/>
-              <a:t>‹Nº›</a:t>
+              <a:t>‹#›</a:t>
             </a:fld>
             <a:endParaRPr lang="en-US"/>
           </a:p>
@@ -2225,7 +2221,7 @@
           <a:p>
             <a:fld id="{AE967CFA-DE30-B54D-8B1A-D87EFC782181}" type="datetime1">
               <a:rPr lang="en-US" smtClean="0"/>
-              <a:t>6/28/2018</a:t>
+              <a:t>9/11/22</a:t>
             </a:fld>
             <a:endParaRPr lang="en-US"/>
           </a:p>
@@ -2279,7 +2275,7 @@
           <a:p>
             <a:fld id="{4DBC7FC8-25FB-FC45-8177-2B991DA6778C}" type="slidenum">
               <a:rPr lang="en-US" smtClean="0"/>
-              <a:t>‹Nº›</a:t>
+              <a:t>‹#›</a:t>
             </a:fld>
             <a:endParaRPr lang="en-US"/>
           </a:p>
@@ -2422,7 +2418,7 @@
           <a:p>
             <a:fld id="{13EF1DA4-C3BF-9E40-963B-4221096104AA}" type="datetime1">
               <a:rPr lang="en-US" smtClean="0"/>
-              <a:t>6/28/2018</a:t>
+              <a:t>9/11/22</a:t>
             </a:fld>
             <a:endParaRPr lang="en-US"/>
           </a:p>
@@ -2468,14 +2464,13 @@
           <a:p>
             <a:fld id="{DE42E464-3EB8-43C8-8768-9E2AD4F497B7}" type="slidenum">
               <a:rPr lang="en-US" smtClean="0"/>
-              <a:t>‹Nº›</a:t>
+              <a:t>‹#›</a:t>
             </a:fld>
             <a:endParaRPr lang="en-US"/>
           </a:p>
         </p:txBody>
       </p:sp>
     </p:spTree>
-    <p:extLst/>
   </p:cSld>
   <p:clrMapOvr>
     <a:masterClrMapping/>
@@ -2590,7 +2585,7 @@
           <a:p>
             <a:fld id="{F8CD3E18-D6E6-554C-84BB-ED9714C27D95}" type="datetime1">
               <a:rPr lang="en-US" smtClean="0"/>
-              <a:t>6/28/2018</a:t>
+              <a:t>9/11/22</a:t>
             </a:fld>
             <a:endParaRPr lang="en-US"/>
           </a:p>
@@ -2636,14 +2631,13 @@
           <a:p>
             <a:fld id="{DE42E464-3EB8-43C8-8768-9E2AD4F497B7}" type="slidenum">
               <a:rPr lang="en-US" smtClean="0"/>
-              <a:t>‹Nº›</a:t>
+              <a:t>‹#›</a:t>
             </a:fld>
             <a:endParaRPr lang="en-US"/>
           </a:p>
         </p:txBody>
       </p:sp>
     </p:spTree>
-    <p:extLst/>
   </p:cSld>
   <p:clrMapOvr>
     <a:masterClrMapping/>
@@ -2835,7 +2829,7 @@
           <a:p>
             <a:fld id="{9E409CA6-3FC1-6844-B7E5-22118BDED196}" type="datetime1">
               <a:rPr lang="en-US" smtClean="0"/>
-              <a:t>6/28/2018</a:t>
+              <a:t>9/11/22</a:t>
             </a:fld>
             <a:endParaRPr lang="en-US"/>
           </a:p>
@@ -2881,14 +2875,13 @@
           <a:p>
             <a:fld id="{DE42E464-3EB8-43C8-8768-9E2AD4F497B7}" type="slidenum">
               <a:rPr lang="en-US" smtClean="0"/>
-              <a:t>‹Nº›</a:t>
+              <a:t>‹#›</a:t>
             </a:fld>
             <a:endParaRPr lang="en-US"/>
           </a:p>
         </p:txBody>
       </p:sp>
     </p:spTree>
-    <p:extLst/>
   </p:cSld>
   <p:clrMapOvr>
     <a:masterClrMapping/>
@@ -3064,7 +3057,7 @@
           <a:p>
             <a:fld id="{0D520E67-25C4-C44C-A9F7-95E52E3ED02A}" type="datetime1">
               <a:rPr lang="en-US" smtClean="0"/>
-              <a:t>6/28/2018</a:t>
+              <a:t>9/11/22</a:t>
             </a:fld>
             <a:endParaRPr lang="en-US"/>
           </a:p>
@@ -3110,14 +3103,13 @@
           <a:p>
             <a:fld id="{DE42E464-3EB8-43C8-8768-9E2AD4F497B7}" type="slidenum">
               <a:rPr lang="en-US" smtClean="0"/>
-              <a:t>‹Nº›</a:t>
+              <a:t>‹#›</a:t>
             </a:fld>
             <a:endParaRPr lang="en-US"/>
           </a:p>
         </p:txBody>
       </p:sp>
     </p:spTree>
-    <p:extLst/>
   </p:cSld>
   <p:clrMapOvr>
     <a:masterClrMapping/>
@@ -3428,7 +3420,7 @@
           <a:p>
             <a:fld id="{F8C3783F-771B-B043-9D1F-626BE4571913}" type="datetime1">
               <a:rPr lang="en-US" smtClean="0"/>
-              <a:t>6/28/2018</a:t>
+              <a:t>9/11/22</a:t>
             </a:fld>
             <a:endParaRPr lang="en-US"/>
           </a:p>
@@ -3474,14 +3466,13 @@
           <a:p>
             <a:fld id="{DE42E464-3EB8-43C8-8768-9E2AD4F497B7}" type="slidenum">
               <a:rPr lang="en-US" smtClean="0"/>
-              <a:t>‹Nº›</a:t>
+              <a:t>‹#›</a:t>
             </a:fld>
             <a:endParaRPr lang="en-US"/>
           </a:p>
         </p:txBody>
       </p:sp>
     </p:spTree>
-    <p:extLst/>
   </p:cSld>
   <p:clrMapOvr>
     <a:masterClrMapping/>
@@ -3545,7 +3536,7 @@
           <a:p>
             <a:fld id="{209A3E95-F7B5-C04C-9704-AEEE3FBDC8C8}" type="datetime1">
               <a:rPr lang="en-US" smtClean="0"/>
-              <a:t>6/28/2018</a:t>
+              <a:t>9/11/22</a:t>
             </a:fld>
             <a:endParaRPr lang="en-US"/>
           </a:p>
@@ -3591,14 +3582,13 @@
           <a:p>
             <a:fld id="{DE42E464-3EB8-43C8-8768-9E2AD4F497B7}" type="slidenum">
               <a:rPr lang="en-US" smtClean="0"/>
-              <a:t>‹Nº›</a:t>
+              <a:t>‹#›</a:t>
             </a:fld>
             <a:endParaRPr lang="en-US"/>
           </a:p>
         </p:txBody>
       </p:sp>
     </p:spTree>
-    <p:extLst/>
   </p:cSld>
   <p:clrMapOvr>
     <a:masterClrMapping/>
@@ -3640,7 +3630,7 @@
           <a:p>
             <a:fld id="{A24B1966-EBDD-404C-8E11-28DDDEBB3B77}" type="datetime1">
               <a:rPr lang="en-US" smtClean="0"/>
-              <a:t>6/28/2018</a:t>
+              <a:t>9/11/22</a:t>
             </a:fld>
             <a:endParaRPr lang="en-US"/>
           </a:p>
@@ -3686,14 +3676,13 @@
           <a:p>
             <a:fld id="{DE42E464-3EB8-43C8-8768-9E2AD4F497B7}" type="slidenum">
               <a:rPr lang="en-US" smtClean="0"/>
-              <a:t>‹Nº›</a:t>
+              <a:t>‹#›</a:t>
             </a:fld>
             <a:endParaRPr lang="en-US"/>
           </a:p>
         </p:txBody>
       </p:sp>
     </p:spTree>
-    <p:extLst/>
   </p:cSld>
   <p:clrMapOvr>
     <a:masterClrMapping/>
@@ -3915,7 +3904,7 @@
           <a:p>
             <a:fld id="{282C093C-39A6-F043-829E-D7BE3A951D7C}" type="datetime1">
               <a:rPr lang="en-US" smtClean="0"/>
-              <a:t>6/28/2018</a:t>
+              <a:t>9/11/22</a:t>
             </a:fld>
             <a:endParaRPr lang="en-US"/>
           </a:p>
@@ -3961,14 +3950,13 @@
           <a:p>
             <a:fld id="{DE42E464-3EB8-43C8-8768-9E2AD4F497B7}" type="slidenum">
               <a:rPr lang="en-US" smtClean="0"/>
-              <a:t>‹Nº›</a:t>
+              <a:t>‹#›</a:t>
             </a:fld>
             <a:endParaRPr lang="en-US"/>
           </a:p>
         </p:txBody>
       </p:sp>
     </p:spTree>
-    <p:extLst/>
   </p:cSld>
   <p:clrMapOvr>
     <a:masterClrMapping/>
@@ -4094,7 +4082,7 @@
           <a:p>
             <a:fld id="{68246FBD-1A3F-4C4F-9329-9D55CEB6AC71}" type="datetime1">
               <a:rPr lang="en-US" smtClean="0"/>
-              <a:t>6/28/2018</a:t>
+              <a:t>9/11/22</a:t>
             </a:fld>
             <a:endParaRPr lang="en-US"/>
           </a:p>
@@ -4148,7 +4136,7 @@
           <a:p>
             <a:fld id="{4DBC7FC8-25FB-FC45-8177-2B991DA6778C}" type="slidenum">
               <a:rPr lang="en-US" smtClean="0"/>
-              <a:t>‹Nº›</a:t>
+              <a:t>‹#›</a:t>
             </a:fld>
             <a:endParaRPr lang="en-US"/>
           </a:p>
@@ -4356,7 +4344,7 @@
           <a:p>
             <a:fld id="{6AE484E9-9A93-974A-BC33-40C6117C4A1D}" type="datetime1">
               <a:rPr lang="en-US" smtClean="0"/>
-              <a:t>6/28/2018</a:t>
+              <a:t>9/11/22</a:t>
             </a:fld>
             <a:endParaRPr lang="en-US"/>
           </a:p>
@@ -4402,14 +4390,13 @@
           <a:p>
             <a:fld id="{DE42E464-3EB8-43C8-8768-9E2AD4F497B7}" type="slidenum">
               <a:rPr lang="en-US" smtClean="0"/>
-              <a:t>‹Nº›</a:t>
+              <a:t>‹#›</a:t>
             </a:fld>
             <a:endParaRPr lang="en-US"/>
           </a:p>
         </p:txBody>
       </p:sp>
     </p:spTree>
-    <p:extLst/>
   </p:cSld>
   <p:clrMapOvr>
     <a:masterClrMapping/>
@@ -4524,7 +4511,7 @@
           <a:p>
             <a:fld id="{BCE9414B-10A3-0C47-8695-BEA5CBCC413C}" type="datetime1">
               <a:rPr lang="en-US" smtClean="0"/>
-              <a:t>6/28/2018</a:t>
+              <a:t>9/11/22</a:t>
             </a:fld>
             <a:endParaRPr lang="en-US"/>
           </a:p>
@@ -4570,14 +4557,13 @@
           <a:p>
             <a:fld id="{DE42E464-3EB8-43C8-8768-9E2AD4F497B7}" type="slidenum">
               <a:rPr lang="en-US" smtClean="0"/>
-              <a:t>‹Nº›</a:t>
+              <a:t>‹#›</a:t>
             </a:fld>
             <a:endParaRPr lang="en-US"/>
           </a:p>
         </p:txBody>
       </p:sp>
     </p:spTree>
-    <p:extLst/>
   </p:cSld>
   <p:clrMapOvr>
     <a:masterClrMapping/>
@@ -4702,7 +4688,7 @@
           <a:p>
             <a:fld id="{B92C2278-B0C6-8549-8EED-724EF4C0A157}" type="datetime1">
               <a:rPr lang="en-US" smtClean="0"/>
-              <a:t>6/28/2018</a:t>
+              <a:t>9/11/22</a:t>
             </a:fld>
             <a:endParaRPr lang="en-US"/>
           </a:p>
@@ -4748,14 +4734,13 @@
           <a:p>
             <a:fld id="{DE42E464-3EB8-43C8-8768-9E2AD4F497B7}" type="slidenum">
               <a:rPr lang="en-US" smtClean="0"/>
-              <a:t>‹Nº›</a:t>
+              <a:t>‹#›</a:t>
             </a:fld>
             <a:endParaRPr lang="en-US"/>
           </a:p>
         </p:txBody>
       </p:sp>
     </p:spTree>
-    <p:extLst/>
   </p:cSld>
   <p:clrMapOvr>
     <a:masterClrMapping/>
@@ -4956,7 +4941,7 @@
           <a:p>
             <a:fld id="{FA81E616-0188-434E-A5C6-3324060ECF15}" type="datetime1">
               <a:rPr lang="en-US" smtClean="0"/>
-              <a:t>6/28/2018</a:t>
+              <a:t>9/11/22</a:t>
             </a:fld>
             <a:endParaRPr lang="en-US"/>
           </a:p>
@@ -4987,7 +4972,7 @@
           <a:p>
             <a:fld id="{4DBC7FC8-25FB-FC45-8177-2B991DA6778C}" type="slidenum">
               <a:rPr lang="en-US" smtClean="0"/>
-              <a:t>‹Nº›</a:t>
+              <a:t>‹#›</a:t>
             </a:fld>
             <a:endParaRPr lang="en-US"/>
           </a:p>
@@ -5255,7 +5240,7 @@
           <a:p>
             <a:fld id="{FC42ACAE-5708-8846-B045-16857A0F0CBE}" type="datetime1">
               <a:rPr lang="en-US" smtClean="0"/>
-              <a:t>6/28/2018</a:t>
+              <a:t>9/11/22</a:t>
             </a:fld>
             <a:endParaRPr lang="en-US"/>
           </a:p>
@@ -5309,7 +5294,7 @@
           <a:p>
             <a:fld id="{4DBC7FC8-25FB-FC45-8177-2B991DA6778C}" type="slidenum">
               <a:rPr lang="en-US" smtClean="0"/>
-              <a:t>‹Nº›</a:t>
+              <a:t>‹#›</a:t>
             </a:fld>
             <a:endParaRPr lang="en-US"/>
           </a:p>
@@ -5705,7 +5690,7 @@
           <a:p>
             <a:fld id="{2AB9031C-2844-7044-9D67-378F5A09E865}" type="datetime1">
               <a:rPr lang="en-US" smtClean="0"/>
-              <a:t>6/28/2018</a:t>
+              <a:t>9/11/22</a:t>
             </a:fld>
             <a:endParaRPr lang="en-US"/>
           </a:p>
@@ -5759,7 +5744,7 @@
           <a:p>
             <a:fld id="{4DBC7FC8-25FB-FC45-8177-2B991DA6778C}" type="slidenum">
               <a:rPr lang="en-US" smtClean="0"/>
-              <a:t>‹Nº›</a:t>
+              <a:t>‹#›</a:t>
             </a:fld>
             <a:endParaRPr lang="en-US"/>
           </a:p>
@@ -5829,7 +5814,7 @@
           <a:p>
             <a:fld id="{0A7709CF-C467-B444-82BD-447C2E85C253}" type="datetime1">
               <a:rPr lang="en-US" smtClean="0"/>
-              <a:t>6/28/2018</a:t>
+              <a:t>9/11/22</a:t>
             </a:fld>
             <a:endParaRPr lang="en-US"/>
           </a:p>
@@ -5883,7 +5868,7 @@
           <a:p>
             <a:fld id="{4DBC7FC8-25FB-FC45-8177-2B991DA6778C}" type="slidenum">
               <a:rPr lang="en-US" smtClean="0"/>
-              <a:t>‹Nº›</a:t>
+              <a:t>‹#›</a:t>
             </a:fld>
             <a:endParaRPr lang="en-US"/>
           </a:p>
@@ -5931,7 +5916,7 @@
           <a:p>
             <a:fld id="{5BFC3778-E9BE-5A4A-B06D-82CE7905ABD1}" type="datetime1">
               <a:rPr lang="en-US" smtClean="0"/>
-              <a:t>6/28/2018</a:t>
+              <a:t>9/11/22</a:t>
             </a:fld>
             <a:endParaRPr lang="en-US"/>
           </a:p>
@@ -5985,7 +5970,7 @@
           <a:p>
             <a:fld id="{4DBC7FC8-25FB-FC45-8177-2B991DA6778C}" type="slidenum">
               <a:rPr lang="en-US" smtClean="0"/>
-              <a:t>‹Nº›</a:t>
+              <a:t>‹#›</a:t>
             </a:fld>
             <a:endParaRPr lang="en-US"/>
           </a:p>
@@ -6185,7 +6170,7 @@
           <a:p>
             <a:fld id="{8DA6C7BB-8F45-A54A-BDDA-7067B551A4A9}" type="datetime1">
               <a:rPr lang="en-US" smtClean="0"/>
-              <a:t>6/28/2018</a:t>
+              <a:t>9/11/22</a:t>
             </a:fld>
             <a:endParaRPr lang="en-US"/>
           </a:p>
@@ -6239,7 +6224,7 @@
           <a:p>
             <a:fld id="{4DBC7FC8-25FB-FC45-8177-2B991DA6778C}" type="slidenum">
               <a:rPr lang="en-US" smtClean="0"/>
-              <a:t>‹Nº›</a:t>
+              <a:t>‹#›</a:t>
             </a:fld>
             <a:endParaRPr lang="en-US"/>
           </a:p>
@@ -6489,7 +6474,7 @@
           <a:p>
             <a:fld id="{89215B7F-F64E-0E4B-935E-786424566F2F}" type="datetime1">
               <a:rPr lang="en-US" smtClean="0"/>
-              <a:t>6/28/2018</a:t>
+              <a:t>9/11/22</a:t>
             </a:fld>
             <a:endParaRPr lang="en-US"/>
           </a:p>
@@ -6551,7 +6536,7 @@
           <a:p>
             <a:fld id="{4DBC7FC8-25FB-FC45-8177-2B991DA6778C}" type="slidenum">
               <a:rPr lang="en-US" smtClean="0"/>
-              <a:t>‹Nº›</a:t>
+              <a:t>‹#›</a:t>
             </a:fld>
             <a:endParaRPr lang="en-US"/>
           </a:p>
@@ -6795,7 +6780,7 @@
           <a:p>
             <a:fld id="{C82A7E20-B97C-9041-B7EC-945F68B05BBB}" type="datetime1">
               <a:rPr lang="en-US" smtClean="0"/>
-              <a:t>6/28/2018</a:t>
+              <a:t>9/11/22</a:t>
             </a:fld>
             <a:endParaRPr lang="en-US"/>
           </a:p>
@@ -6865,7 +6850,7 @@
           <a:p>
             <a:fld id="{4DBC7FC8-25FB-FC45-8177-2B991DA6778C}" type="slidenum">
               <a:rPr lang="en-US" smtClean="0"/>
-              <a:t>‹Nº›</a:t>
+              <a:t>‹#›</a:t>
             </a:fld>
             <a:endParaRPr lang="en-US" dirty="0"/>
           </a:p>
@@ -7551,7 +7536,7 @@
           <a:p>
             <a:fld id="{196F7292-0855-2545-B5BD-EC6595866FF4}" type="datetime1">
               <a:rPr lang="en-US" smtClean="0"/>
-              <a:t>6/28/2018</a:t>
+              <a:t>9/11/22</a:t>
             </a:fld>
             <a:endParaRPr lang="en-US"/>
           </a:p>
@@ -7633,7 +7618,7 @@
           <a:p>
             <a:fld id="{DE42E464-3EB8-43C8-8768-9E2AD4F497B7}" type="slidenum">
               <a:rPr lang="en-US" smtClean="0"/>
-              <a:t>‹Nº›</a:t>
+              <a:t>‹#›</a:t>
             </a:fld>
             <a:endParaRPr lang="en-US"/>
           </a:p>
@@ -13440,75 +13425,6 @@
           </a:p>
           <a:p>
             <a:pPr lvl="1"/>
-            <a:r>
-              <a:rPr lang="en-US" dirty="0" err="1"/>
-              <a:t>Itzulpena</a:t>
-            </a:r>
-            <a:r>
-              <a:rPr lang="en-US" dirty="0"/>
-              <a:t> </a:t>
-            </a:r>
-            <a:r>
-              <a:rPr lang="en-US" dirty="0" err="1"/>
-              <a:t>Edurobotic-ek</a:t>
-            </a:r>
-            <a:r>
-              <a:rPr lang="en-US" dirty="0"/>
-              <a:t> </a:t>
-            </a:r>
-            <a:r>
-              <a:rPr lang="en-US" dirty="0" err="1"/>
-              <a:t>eginda</a:t>
-            </a:r>
-            <a:r>
-              <a:rPr lang="en-US" dirty="0"/>
-              <a:t>. </a:t>
-            </a:r>
-            <a:r>
-              <a:rPr lang="en-US" dirty="0">
-                <a:hlinkClick r:id="rId3"/>
-              </a:rPr>
-              <a:t>www.edurobotic.es</a:t>
-            </a:r>
-            <a:r>
-              <a:rPr lang="en-US" dirty="0"/>
-              <a:t> (</a:t>
-            </a:r>
-            <a:r>
-              <a:rPr lang="en-US" dirty="0" err="1"/>
-              <a:t>Anartz</a:t>
-            </a:r>
-            <a:r>
-              <a:rPr lang="en-US" dirty="0"/>
-              <a:t> San Juan </a:t>
-            </a:r>
-            <a:r>
-              <a:rPr lang="en-US" dirty="0" err="1"/>
-              <a:t>taldekideak</a:t>
-            </a:r>
-            <a:r>
-              <a:rPr lang="en-US" dirty="0"/>
-              <a:t> </a:t>
-            </a:r>
-            <a:r>
-              <a:rPr lang="en-US" dirty="0" err="1"/>
-              <a:t>hain</a:t>
-            </a:r>
-            <a:r>
-              <a:rPr lang="en-US" dirty="0"/>
-              <a:t> </a:t>
-            </a:r>
-            <a:r>
-              <a:rPr lang="en-US" dirty="0" err="1"/>
-              <a:t>zuzen</a:t>
-            </a:r>
-            <a:r>
-              <a:rPr lang="en-US" dirty="0"/>
-              <a:t>).</a:t>
-            </a:r>
-          </a:p>
-          <a:p>
-            <a:pPr lvl="1"/>
             <a:endParaRPr lang="en-US" dirty="0"/>
           </a:p>
         </p:txBody>
@@ -13814,7 +13730,7 @@
                   <a:srgbClr val="4374B7"/>
                 </a:solidFill>
                 <a:latin typeface="Helvetica Neue"/>
-                <a:hlinkClick r:id="rId4"/>
+                <a:hlinkClick r:id="rId3"/>
               </a:rPr>
               <a:t>Creative Commons Attribution-</a:t>
             </a:r>
@@ -13824,7 +13740,7 @@
                   <a:srgbClr val="4374B7"/>
                 </a:solidFill>
                 <a:latin typeface="Helvetica Neue"/>
-                <a:hlinkClick r:id="rId4"/>
+                <a:hlinkClick r:id="rId3"/>
               </a:rPr>
               <a:t>NonCommercial</a:t>
             </a:r>
@@ -13834,7 +13750,7 @@
                   <a:srgbClr val="4374B7"/>
                 </a:solidFill>
                 <a:latin typeface="Helvetica Neue"/>
-                <a:hlinkClick r:id="rId4"/>
+                <a:hlinkClick r:id="rId3"/>
               </a:rPr>
               <a:t>-</a:t>
             </a:r>
@@ -13844,7 +13760,7 @@
                   <a:srgbClr val="4374B7"/>
                 </a:solidFill>
                 <a:latin typeface="Helvetica Neue"/>
-                <a:hlinkClick r:id="rId4"/>
+                <a:hlinkClick r:id="rId3"/>
               </a:rPr>
               <a:t>ShareAlike</a:t>
             </a:r>
@@ -13854,7 +13770,7 @@
                   <a:srgbClr val="4374B7"/>
                 </a:solidFill>
                 <a:latin typeface="Helvetica Neue"/>
-                <a:hlinkClick r:id="rId4"/>
+                <a:hlinkClick r:id="rId3"/>
               </a:rPr>
               <a:t> 4.0 International License</a:t>
             </a:r>
@@ -13928,7 +13844,7 @@
       <p:pic>
         <p:nvPicPr>
           <p:cNvPr id="2050" name="Picture 2" descr="Creative Commons License">
-            <a:hlinkClick r:id="rId4"/>
+            <a:hlinkClick r:id="rId3"/>
           </p:cNvPr>
           <p:cNvPicPr>
             <a:picLocks noChangeAspect="1" noChangeArrowheads="1"/>
@@ -13936,7 +13852,7 @@
           <p:nvPr/>
         </p:nvPicPr>
         <p:blipFill>
-          <a:blip r:embed="rId5">
+          <a:blip r:embed="rId4">
             <a:extLst>
               <a:ext uri="{28A0092B-C50C-407E-A947-70E740481C1C}">
                 <a14:useLocalDpi xmlns:a14="http://schemas.microsoft.com/office/drawing/2010/main" val="0"/>
@@ -21202,7 +21118,6 @@
                 <a:headEnd/>
                 <a:tailEnd type="triangle" w="med" len="med"/>
               </a:ln>
-              <a:extLst/>
             </p:spPr>
             <p:txBody>
               <a:bodyPr wrap="none"/>
@@ -21241,7 +21156,6 @@
                 <a:headEnd/>
                 <a:tailEnd type="triangle" w="med" len="med"/>
               </a:ln>
-              <a:extLst/>
             </p:spPr>
             <p:txBody>
               <a:bodyPr wrap="none"/>
@@ -21298,7 +21212,6 @@
                 <a:headEnd/>
                 <a:tailEnd type="triangle" w="med" len="med"/>
               </a:ln>
-              <a:extLst/>
             </p:spPr>
             <p:txBody>
               <a:bodyPr wrap="none"/>
@@ -21337,7 +21250,6 @@
                 <a:headEnd/>
                 <a:tailEnd type="triangle" w="med" len="med"/>
               </a:ln>
-              <a:extLst/>
             </p:spPr>
             <p:txBody>
               <a:bodyPr wrap="none"/>
